--- a/images/00_Overview.pptx
+++ b/images/00_Overview.pptx
@@ -5,13 +5,12 @@
     <p:sldMasterId id="2147483648" r:id="rId1"/>
   </p:sldMasterIdLst>
   <p:notesMasterIdLst>
-    <p:notesMasterId r:id="rId6"/>
+    <p:notesMasterId r:id="rId5"/>
   </p:notesMasterIdLst>
   <p:sldIdLst>
     <p:sldId id="280" r:id="rId2"/>
-    <p:sldId id="269" r:id="rId3"/>
-    <p:sldId id="276" r:id="rId4"/>
-    <p:sldId id="281" r:id="rId5"/>
+    <p:sldId id="276" r:id="rId3"/>
+    <p:sldId id="281" r:id="rId4"/>
   </p:sldIdLst>
   <p:sldSz cx="12192000" cy="6858000"/>
   <p:notesSz cx="6858000" cy="9144000"/>
@@ -200,7 +199,7 @@
           <a:p>
             <a:fld id="{E53DD059-ECC1-4529-8207-5F5A979D279F}" type="datetimeFigureOut">
               <a:rPr lang="en-US" smtClean="0"/>
-              <a:t>12/5/2025</a:t>
+              <a:t>12/8/2025</a:t>
             </a:fld>
             <a:endParaRPr lang="en-US"/>
           </a:p>
@@ -651,7 +650,7 @@
           <a:p>
             <a:fld id="{6F36F2E6-1806-4461-B043-FDAD0D9A52EB}" type="datetimeFigureOut">
               <a:rPr lang="en-US" smtClean="0"/>
-              <a:t>12/5/2025</a:t>
+              <a:t>12/8/2025</a:t>
             </a:fld>
             <a:endParaRPr lang="en-US"/>
           </a:p>
@@ -849,7 +848,7 @@
           <a:p>
             <a:fld id="{6F36F2E6-1806-4461-B043-FDAD0D9A52EB}" type="datetimeFigureOut">
               <a:rPr lang="en-US" smtClean="0"/>
-              <a:t>12/5/2025</a:t>
+              <a:t>12/8/2025</a:t>
             </a:fld>
             <a:endParaRPr lang="en-US"/>
           </a:p>
@@ -1057,7 +1056,7 @@
           <a:p>
             <a:fld id="{6F36F2E6-1806-4461-B043-FDAD0D9A52EB}" type="datetimeFigureOut">
               <a:rPr lang="en-US" smtClean="0"/>
-              <a:t>12/5/2025</a:t>
+              <a:t>12/8/2025</a:t>
             </a:fld>
             <a:endParaRPr lang="en-US"/>
           </a:p>
@@ -1296,7 +1295,7 @@
           <a:p>
             <a:fld id="{6F36F2E6-1806-4461-B043-FDAD0D9A52EB}" type="datetimeFigureOut">
               <a:rPr lang="en-US" smtClean="0"/>
-              <a:t>12/5/2025</a:t>
+              <a:t>12/8/2025</a:t>
             </a:fld>
             <a:endParaRPr lang="en-US"/>
           </a:p>
@@ -1571,7 +1570,7 @@
           <a:p>
             <a:fld id="{6F36F2E6-1806-4461-B043-FDAD0D9A52EB}" type="datetimeFigureOut">
               <a:rPr lang="en-US" smtClean="0"/>
-              <a:t>12/5/2025</a:t>
+              <a:t>12/8/2025</a:t>
             </a:fld>
             <a:endParaRPr lang="en-US"/>
           </a:p>
@@ -1836,7 +1835,7 @@
           <a:p>
             <a:fld id="{6F36F2E6-1806-4461-B043-FDAD0D9A52EB}" type="datetimeFigureOut">
               <a:rPr lang="en-US" smtClean="0"/>
-              <a:t>12/5/2025</a:t>
+              <a:t>12/8/2025</a:t>
             </a:fld>
             <a:endParaRPr lang="en-US"/>
           </a:p>
@@ -2248,7 +2247,7 @@
           <a:p>
             <a:fld id="{6F36F2E6-1806-4461-B043-FDAD0D9A52EB}" type="datetimeFigureOut">
               <a:rPr lang="en-US" smtClean="0"/>
-              <a:t>12/5/2025</a:t>
+              <a:t>12/8/2025</a:t>
             </a:fld>
             <a:endParaRPr lang="en-US"/>
           </a:p>
@@ -2389,7 +2388,7 @@
           <a:p>
             <a:fld id="{6F36F2E6-1806-4461-B043-FDAD0D9A52EB}" type="datetimeFigureOut">
               <a:rPr lang="en-US" smtClean="0"/>
-              <a:t>12/5/2025</a:t>
+              <a:t>12/8/2025</a:t>
             </a:fld>
             <a:endParaRPr lang="en-US"/>
           </a:p>
@@ -2502,7 +2501,7 @@
           <a:p>
             <a:fld id="{6F36F2E6-1806-4461-B043-FDAD0D9A52EB}" type="datetimeFigureOut">
               <a:rPr lang="en-US" smtClean="0"/>
-              <a:t>12/5/2025</a:t>
+              <a:t>12/8/2025</a:t>
             </a:fld>
             <a:endParaRPr lang="en-US"/>
           </a:p>
@@ -2813,7 +2812,7 @@
           <a:p>
             <a:fld id="{6F36F2E6-1806-4461-B043-FDAD0D9A52EB}" type="datetimeFigureOut">
               <a:rPr lang="en-US" smtClean="0"/>
-              <a:t>12/5/2025</a:t>
+              <a:t>12/8/2025</a:t>
             </a:fld>
             <a:endParaRPr lang="en-US"/>
           </a:p>
@@ -3101,7 +3100,7 @@
           <a:p>
             <a:fld id="{6F36F2E6-1806-4461-B043-FDAD0D9A52EB}" type="datetimeFigureOut">
               <a:rPr lang="en-US" smtClean="0"/>
-              <a:t>12/5/2025</a:t>
+              <a:t>12/8/2025</a:t>
             </a:fld>
             <a:endParaRPr lang="en-US"/>
           </a:p>
@@ -3342,7 +3341,7 @@
           <a:p>
             <a:fld id="{6F36F2E6-1806-4461-B043-FDAD0D9A52EB}" type="datetimeFigureOut">
               <a:rPr lang="en-US" smtClean="0"/>
-              <a:t>12/5/2025</a:t>
+              <a:t>12/8/2025</a:t>
             </a:fld>
             <a:endParaRPr lang="en-US"/>
           </a:p>
@@ -3841,139 +3840,6 @@
       </p:grpSpPr>
       <p:sp>
         <p:nvSpPr>
-          <p:cNvPr id="5" name="Rectangle 4">
-            <a:extLst>
-              <a:ext uri="{FF2B5EF4-FFF2-40B4-BE49-F238E27FC236}">
-                <a16:creationId xmlns:a16="http://schemas.microsoft.com/office/drawing/2014/main" id="{EF74EE5C-5AE5-86E2-8BFD-16480659A5FE}"/>
-              </a:ext>
-            </a:extLst>
-          </p:cNvPr>
-          <p:cNvSpPr/>
-          <p:nvPr/>
-        </p:nvSpPr>
-        <p:spPr>
-          <a:xfrm>
-            <a:off x="0" y="0"/>
-            <a:ext cx="12192000" cy="414068"/>
-          </a:xfrm>
-          <a:prstGeom prst="rect">
-            <a:avLst/>
-          </a:prstGeom>
-          <a:noFill/>
-          <a:ln>
-            <a:noFill/>
-          </a:ln>
-        </p:spPr>
-        <p:style>
-          <a:lnRef idx="2">
-            <a:schemeClr val="accent1">
-              <a:shade val="15000"/>
-            </a:schemeClr>
-          </a:lnRef>
-          <a:fillRef idx="1">
-            <a:schemeClr val="accent1"/>
-          </a:fillRef>
-          <a:effectRef idx="0">
-            <a:schemeClr val="accent1"/>
-          </a:effectRef>
-          <a:fontRef idx="minor">
-            <a:schemeClr val="lt1"/>
-          </a:fontRef>
-        </p:style>
-        <p:txBody>
-          <a:bodyPr rtlCol="0" anchor="ctr"/>
-          <a:lstStyle/>
-          <a:p>
-            <a:pPr algn="ctr"/>
-            <a:r>
-              <a:rPr lang="en-US" dirty="0"/>
-              <a:t>Sources</a:t>
-            </a:r>
-          </a:p>
-        </p:txBody>
-      </p:sp>
-      <p:sp>
-        <p:nvSpPr>
-          <p:cNvPr id="6" name="TextBox 5">
-            <a:extLst>
-              <a:ext uri="{FF2B5EF4-FFF2-40B4-BE49-F238E27FC236}">
-                <a16:creationId xmlns:a16="http://schemas.microsoft.com/office/drawing/2014/main" id="{692B188C-E290-6E0B-152A-856E81408BA9}"/>
-              </a:ext>
-            </a:extLst>
-          </p:cNvPr>
-          <p:cNvSpPr txBox="1"/>
-          <p:nvPr/>
-        </p:nvSpPr>
-        <p:spPr>
-          <a:xfrm>
-            <a:off x="476250" y="414068"/>
-            <a:ext cx="5076825" cy="461665"/>
-          </a:xfrm>
-          <a:prstGeom prst="rect">
-            <a:avLst/>
-          </a:prstGeom>
-          <a:noFill/>
-        </p:spPr>
-        <p:txBody>
-          <a:bodyPr wrap="square" rtlCol="0">
-            <a:spAutoFit/>
-          </a:bodyPr>
-          <a:lstStyle/>
-          <a:p>
-            <a:r>
-              <a:rPr lang="en-US" sz="1200" dirty="0"/>
-              <a:t>Buckscore (BSD)</a:t>
-            </a:r>
-          </a:p>
-          <a:p>
-            <a:pPr marL="285750" indent="-285750">
-              <a:buFont typeface="Arial" panose="020B0604020202020204" pitchFamily="34" charset="0"/>
-              <a:buChar char="•"/>
-            </a:pPr>
-            <a:r>
-              <a:rPr lang="en-US" sz="1200" dirty="0">
-                <a:hlinkClick r:id="rId2"/>
-              </a:rPr>
-              <a:t>USDA</a:t>
-            </a:r>
-            <a:endParaRPr lang="en-US" sz="1200" dirty="0">
-              <a:hlinkClick r:id="rId3"/>
-            </a:endParaRPr>
-          </a:p>
-        </p:txBody>
-      </p:sp>
-    </p:spTree>
-    <p:extLst>
-      <p:ext uri="{BB962C8B-B14F-4D97-AF65-F5344CB8AC3E}">
-        <p14:creationId xmlns:p14="http://schemas.microsoft.com/office/powerpoint/2010/main" val="4271893007"/>
-      </p:ext>
-    </p:extLst>
-  </p:cSld>
-  <p:clrMapOvr>
-    <a:masterClrMapping/>
-  </p:clrMapOvr>
-</p:sld>
-</file>
-
-<file path=ppt/slides/slide3.xml><?xml version="1.0" encoding="utf-8"?>
-<p:sld xmlns:a="http://schemas.openxmlformats.org/drawingml/2006/main" xmlns:r="http://schemas.openxmlformats.org/officeDocument/2006/relationships" xmlns:p="http://schemas.openxmlformats.org/presentationml/2006/main">
-  <p:cSld>
-    <p:spTree>
-      <p:nvGrpSpPr>
-        <p:cNvPr id="1" name=""/>
-        <p:cNvGrpSpPr/>
-        <p:nvPr/>
-      </p:nvGrpSpPr>
-      <p:grpSpPr>
-        <a:xfrm>
-          <a:off x="0" y="0"/>
-          <a:ext cx="0" cy="0"/>
-          <a:chOff x="0" y="0"/>
-          <a:chExt cx="0" cy="0"/>
-        </a:xfrm>
-      </p:grpSpPr>
-      <p:sp>
-        <p:nvSpPr>
           <p:cNvPr id="140" name="Rectangle 139">
             <a:extLst>
               <a:ext uri="{FF2B5EF4-FFF2-40B4-BE49-F238E27FC236}">
@@ -4089,7 +3955,7 @@
 </p:sld>
 </file>
 
-<file path=ppt/slides/slide4.xml><?xml version="1.0" encoding="utf-8"?>
+<file path=ppt/slides/slide3.xml><?xml version="1.0" encoding="utf-8"?>
 <p:sld xmlns:a="http://schemas.openxmlformats.org/drawingml/2006/main" xmlns:r="http://schemas.openxmlformats.org/officeDocument/2006/relationships" xmlns:p="http://schemas.openxmlformats.org/presentationml/2006/main">
   <p:cSld>
     <p:spTree>
@@ -4121,7 +3987,7 @@
           <p:nvPr>
             <p:extLst>
               <p:ext uri="{D42A27DB-BD31-4B8C-83A1-F6EECF244321}">
-                <p14:modId xmlns:p14="http://schemas.microsoft.com/office/powerpoint/2010/main" val="999611697"/>
+                <p14:modId xmlns:p14="http://schemas.microsoft.com/office/powerpoint/2010/main" val="3147291230"/>
               </p:ext>
             </p:extLst>
           </p:nvPr>
@@ -4159,7 +4025,7 @@
                   </a:extLst>
                 </a:gridCol>
               </a:tblGrid>
-              <a:tr h="0">
+              <a:tr h="196947">
                 <a:tc>
                   <a:txBody>
                     <a:bodyPr/>
@@ -4219,7 +4085,7 @@
                   </a:ext>
                 </a:extLst>
               </a:tr>
-              <a:tr h="0">
+              <a:tr h="196947">
                 <a:tc>
                   <a:txBody>
                     <a:bodyPr/>
@@ -4227,9 +4093,13 @@
                     <a:p>
                       <a:pPr algn="ctr"/>
                       <a:r>
-                        <a:rPr lang="en-US" sz="1000" dirty="0">
-                          <a:latin typeface="Times New Roman" panose="02020603050405020304" pitchFamily="18" charset="0"/>
-                          <a:cs typeface="Times New Roman" panose="02020603050405020304" pitchFamily="18" charset="0"/>
+                        <a:rPr lang="en-US" sz="1000" kern="1200" dirty="0">
+                          <a:solidFill>
+                            <a:schemeClr val="dk1"/>
+                          </a:solidFill>
+                          <a:latin typeface="+mn-lt"/>
+                          <a:ea typeface="+mn-ea"/>
+                          <a:cs typeface="+mn-cs"/>
                         </a:rPr>
                         <a:t>Saddle Up Colorado</a:t>
                       </a:r>
@@ -4244,9 +4114,13 @@
                     <a:p>
                       <a:pPr algn="ctr"/>
                       <a:r>
-                        <a:rPr lang="en-US" sz="1000" dirty="0">
-                          <a:latin typeface="Times New Roman" panose="02020603050405020304" pitchFamily="18" charset="0"/>
-                          <a:cs typeface="Times New Roman" panose="02020603050405020304" pitchFamily="18" charset="0"/>
+                        <a:rPr lang="en-US" sz="1000" kern="1200" dirty="0">
+                          <a:solidFill>
+                            <a:schemeClr val="dk1"/>
+                          </a:solidFill>
+                          <a:latin typeface="+mn-lt"/>
+                          <a:ea typeface="+mn-ea"/>
+                          <a:cs typeface="+mn-cs"/>
                         </a:rPr>
                         <a:t>SUC</a:t>
                       </a:r>
@@ -4285,7 +4159,7 @@
                   </a:ext>
                 </a:extLst>
               </a:tr>
-              <a:tr h="0">
+              <a:tr h="196947">
                 <a:tc>
                   <a:txBody>
                     <a:bodyPr/>
@@ -4293,7 +4167,14 @@
                     <a:p>
                       <a:pPr algn="ctr"/>
                       <a:r>
-                        <a:rPr lang="en-US" sz="1000" dirty="0"/>
+                        <a:rPr lang="en-US" sz="1000" kern="1200" dirty="0">
+                          <a:solidFill>
+                            <a:schemeClr val="dk1"/>
+                          </a:solidFill>
+                          <a:latin typeface="+mn-lt"/>
+                          <a:ea typeface="+mn-ea"/>
+                          <a:cs typeface="+mn-cs"/>
+                        </a:rPr>
                         <a:t>U.S. Dept. of Agriculture</a:t>
                       </a:r>
                     </a:p>
@@ -4307,9 +4188,13 @@
                     <a:p>
                       <a:pPr algn="ctr"/>
                       <a:r>
-                        <a:rPr lang="en-US" sz="1000" dirty="0">
-                          <a:latin typeface="Times New Roman" panose="02020603050405020304" pitchFamily="18" charset="0"/>
-                          <a:cs typeface="Times New Roman" panose="02020603050405020304" pitchFamily="18" charset="0"/>
+                        <a:rPr lang="en-US" sz="1000" kern="1200" dirty="0">
+                          <a:solidFill>
+                            <a:schemeClr val="dk1"/>
+                          </a:solidFill>
+                          <a:latin typeface="+mn-lt"/>
+                          <a:ea typeface="+mn-ea"/>
+                          <a:cs typeface="+mn-cs"/>
                         </a:rPr>
                         <a:t>USDA</a:t>
                       </a:r>
@@ -4347,7 +4232,7 @@
                   </a:ext>
                 </a:extLst>
               </a:tr>
-              <a:tr h="0">
+              <a:tr h="196947">
                 <a:tc>
                   <a:txBody>
                     <a:bodyPr/>
@@ -4355,13 +4240,16 @@
                     <a:p>
                       <a:pPr algn="ctr"/>
                       <a:r>
-                        <a:rPr lang="en-US" sz="1000" dirty="0"/>
+                        <a:rPr lang="en-US" sz="1000" kern="1200" dirty="0">
+                          <a:solidFill>
+                            <a:schemeClr val="dk1"/>
+                          </a:solidFill>
+                          <a:latin typeface="+mn-lt"/>
+                          <a:ea typeface="+mn-ea"/>
+                          <a:cs typeface="+mn-cs"/>
+                        </a:rPr>
                         <a:t>Utah State University</a:t>
                       </a:r>
-                      <a:endParaRPr lang="en-US" sz="1000" dirty="0">
-                        <a:latin typeface="Times New Roman" panose="02020603050405020304" pitchFamily="18" charset="0"/>
-                        <a:cs typeface="Times New Roman" panose="02020603050405020304" pitchFamily="18" charset="0"/>
-                      </a:endParaRPr>
                     </a:p>
                   </a:txBody>
                   <a:tcPr anchor="ctr"/>
@@ -4373,9 +4261,13 @@
                     <a:p>
                       <a:pPr algn="ctr"/>
                       <a:r>
-                        <a:rPr lang="en-US" sz="1000" dirty="0">
-                          <a:latin typeface="Times New Roman" panose="02020603050405020304" pitchFamily="18" charset="0"/>
-                          <a:cs typeface="Times New Roman" panose="02020603050405020304" pitchFamily="18" charset="0"/>
+                        <a:rPr lang="en-US" sz="1000" kern="1200" dirty="0">
+                          <a:solidFill>
+                            <a:schemeClr val="dk1"/>
+                          </a:solidFill>
+                          <a:latin typeface="+mn-lt"/>
+                          <a:ea typeface="+mn-ea"/>
+                          <a:cs typeface="+mn-cs"/>
                         </a:rPr>
                         <a:t>USU</a:t>
                       </a:r>
@@ -4413,16 +4305,94 @@
                   </a:ext>
                 </a:extLst>
               </a:tr>
-              <a:tr h="0">
+              <a:tr h="196947">
                 <a:tc>
                   <a:txBody>
                     <a:bodyPr/>
                     <a:lstStyle/>
                     <a:p>
                       <a:pPr algn="ctr"/>
-                      <a:endParaRPr lang="en-US" sz="1000" dirty="0">
-                        <a:latin typeface="Times New Roman" panose="02020603050405020304" pitchFamily="18" charset="0"/>
-                        <a:cs typeface="Times New Roman" panose="02020603050405020304" pitchFamily="18" charset="0"/>
+                      <a:r>
+                        <a:rPr lang="en-US" sz="1000" kern="1200" dirty="0">
+                          <a:solidFill>
+                            <a:schemeClr val="dk1"/>
+                          </a:solidFill>
+                          <a:latin typeface="+mn-lt"/>
+                          <a:ea typeface="+mn-ea"/>
+                          <a:cs typeface="+mn-cs"/>
+                        </a:rPr>
+                        <a:t>Ghent University</a:t>
+                      </a:r>
+                    </a:p>
+                  </a:txBody>
+                  <a:tcPr anchor="ctr"/>
+                </a:tc>
+                <a:tc>
+                  <a:txBody>
+                    <a:bodyPr/>
+                    <a:lstStyle/>
+                    <a:p>
+                      <a:pPr algn="ctr"/>
+                      <a:r>
+                        <a:rPr lang="en-US" sz="1000" kern="1200" dirty="0">
+                          <a:solidFill>
+                            <a:schemeClr val="dk1"/>
+                          </a:solidFill>
+                          <a:latin typeface="+mn-lt"/>
+                          <a:ea typeface="+mn-ea"/>
+                          <a:cs typeface="+mn-cs"/>
+                        </a:rPr>
+                        <a:t>GHU</a:t>
+                      </a:r>
+                    </a:p>
+                  </a:txBody>
+                  <a:tcPr anchor="ctr"/>
+                </a:tc>
+                <a:tc>
+                  <a:txBody>
+                    <a:bodyPr/>
+                    <a:lstStyle/>
+                    <a:p>
+                      <a:pPr algn="ctr"/>
+                      <a:r>
+                        <a:rPr lang="en-US" sz="1000" dirty="0">
+                          <a:latin typeface="Times New Roman" panose="02020603050405020304" pitchFamily="18" charset="0"/>
+                          <a:cs typeface="Times New Roman" panose="02020603050405020304" pitchFamily="18" charset="0"/>
+                          <a:hlinkClick r:id="rId5"/>
+                        </a:rPr>
+                        <a:t>1</a:t>
+                      </a:r>
+                      <a:r>
+                        <a:rPr lang="en-US" sz="1000" dirty="0">
+                          <a:latin typeface="Times New Roman" panose="02020603050405020304" pitchFamily="18" charset="0"/>
+                          <a:cs typeface="Times New Roman" panose="02020603050405020304" pitchFamily="18" charset="0"/>
+                        </a:rPr>
+                        <a:t>, </a:t>
+                      </a:r>
+                    </a:p>
+                  </a:txBody>
+                  <a:tcPr anchor="ctr"/>
+                </a:tc>
+                <a:extLst>
+                  <a:ext uri="{0D108BD9-81ED-4DB2-BD59-A6C34878D82A}">
+                    <a16:rowId xmlns:a16="http://schemas.microsoft.com/office/drawing/2014/main" val="1518622261"/>
+                  </a:ext>
+                </a:extLst>
+              </a:tr>
+              <a:tr h="196947">
+                <a:tc>
+                  <a:txBody>
+                    <a:bodyPr/>
+                    <a:lstStyle/>
+                    <a:p>
+                      <a:pPr algn="ctr"/>
+                      <a:endParaRPr lang="en-US" sz="1000" kern="1200" dirty="0">
+                        <a:solidFill>
+                          <a:schemeClr val="dk1"/>
+                        </a:solidFill>
+                        <a:latin typeface="+mn-lt"/>
+                        <a:ea typeface="+mn-ea"/>
+                        <a:cs typeface="+mn-cs"/>
                       </a:endParaRPr>
                     </a:p>
                   </a:txBody>
@@ -4434,9 +4404,13 @@
                     <a:lstStyle/>
                     <a:p>
                       <a:pPr algn="ctr"/>
-                      <a:endParaRPr lang="en-US" sz="1000" dirty="0">
-                        <a:latin typeface="Times New Roman" panose="02020603050405020304" pitchFamily="18" charset="0"/>
-                        <a:cs typeface="Times New Roman" panose="02020603050405020304" pitchFamily="18" charset="0"/>
+                      <a:endParaRPr lang="en-US" sz="1000" kern="1200" dirty="0">
+                        <a:solidFill>
+                          <a:schemeClr val="dk1"/>
+                        </a:solidFill>
+                        <a:latin typeface="+mn-lt"/>
+                        <a:ea typeface="+mn-ea"/>
+                        <a:cs typeface="+mn-cs"/>
                       </a:endParaRPr>
                     </a:p>
                   </a:txBody>
@@ -4458,20 +4432,24 @@
                 </a:tc>
                 <a:extLst>
                   <a:ext uri="{0D108BD9-81ED-4DB2-BD59-A6C34878D82A}">
-                    <a16:rowId xmlns:a16="http://schemas.microsoft.com/office/drawing/2014/main" val="1518622261"/>
+                    <a16:rowId xmlns:a16="http://schemas.microsoft.com/office/drawing/2014/main" val="190447646"/>
                   </a:ext>
                 </a:extLst>
               </a:tr>
-              <a:tr h="0">
+              <a:tr h="196947">
                 <a:tc>
                   <a:txBody>
                     <a:bodyPr/>
                     <a:lstStyle/>
                     <a:p>
                       <a:pPr algn="ctr"/>
-                      <a:endParaRPr lang="en-US" sz="1000">
-                        <a:latin typeface="Times New Roman" panose="02020603050405020304" pitchFamily="18" charset="0"/>
-                        <a:cs typeface="Times New Roman" panose="02020603050405020304" pitchFamily="18" charset="0"/>
+                      <a:endParaRPr lang="en-US" sz="1000" kern="1200" dirty="0">
+                        <a:solidFill>
+                          <a:schemeClr val="dk1"/>
+                        </a:solidFill>
+                        <a:latin typeface="+mn-lt"/>
+                        <a:ea typeface="+mn-ea"/>
+                        <a:cs typeface="+mn-cs"/>
                       </a:endParaRPr>
                     </a:p>
                   </a:txBody>
@@ -4483,58 +4461,13 @@
                     <a:lstStyle/>
                     <a:p>
                       <a:pPr algn="ctr"/>
-                      <a:endParaRPr lang="en-US" sz="1000">
-                        <a:latin typeface="Times New Roman" panose="02020603050405020304" pitchFamily="18" charset="0"/>
-                        <a:cs typeface="Times New Roman" panose="02020603050405020304" pitchFamily="18" charset="0"/>
-                      </a:endParaRPr>
-                    </a:p>
-                  </a:txBody>
-                  <a:tcPr anchor="ctr"/>
-                </a:tc>
-                <a:tc>
-                  <a:txBody>
-                    <a:bodyPr/>
-                    <a:lstStyle/>
-                    <a:p>
-                      <a:pPr algn="ctr"/>
-                      <a:endParaRPr lang="en-US" sz="1000">
-                        <a:latin typeface="Times New Roman" panose="02020603050405020304" pitchFamily="18" charset="0"/>
-                        <a:cs typeface="Times New Roman" panose="02020603050405020304" pitchFamily="18" charset="0"/>
-                      </a:endParaRPr>
-                    </a:p>
-                  </a:txBody>
-                  <a:tcPr anchor="ctr"/>
-                </a:tc>
-                <a:extLst>
-                  <a:ext uri="{0D108BD9-81ED-4DB2-BD59-A6C34878D82A}">
-                    <a16:rowId xmlns:a16="http://schemas.microsoft.com/office/drawing/2014/main" val="190447646"/>
-                  </a:ext>
-                </a:extLst>
-              </a:tr>
-              <a:tr h="0">
-                <a:tc>
-                  <a:txBody>
-                    <a:bodyPr/>
-                    <a:lstStyle/>
-                    <a:p>
-                      <a:pPr algn="ctr"/>
-                      <a:endParaRPr lang="en-US" sz="1000">
-                        <a:latin typeface="Times New Roman" panose="02020603050405020304" pitchFamily="18" charset="0"/>
-                        <a:cs typeface="Times New Roman" panose="02020603050405020304" pitchFamily="18" charset="0"/>
-                      </a:endParaRPr>
-                    </a:p>
-                  </a:txBody>
-                  <a:tcPr anchor="ctr"/>
-                </a:tc>
-                <a:tc>
-                  <a:txBody>
-                    <a:bodyPr/>
-                    <a:lstStyle/>
-                    <a:p>
-                      <a:pPr algn="ctr"/>
-                      <a:endParaRPr lang="en-US" sz="1000">
-                        <a:latin typeface="Times New Roman" panose="02020603050405020304" pitchFamily="18" charset="0"/>
-                        <a:cs typeface="Times New Roman" panose="02020603050405020304" pitchFamily="18" charset="0"/>
+                      <a:endParaRPr lang="en-US" sz="1000" kern="1200" dirty="0">
+                        <a:solidFill>
+                          <a:schemeClr val="dk1"/>
+                        </a:solidFill>
+                        <a:latin typeface="+mn-lt"/>
+                        <a:ea typeface="+mn-ea"/>
+                        <a:cs typeface="+mn-cs"/>
                       </a:endParaRPr>
                     </a:p>
                   </a:txBody>
@@ -4560,16 +4493,20 @@
                   </a:ext>
                 </a:extLst>
               </a:tr>
-              <a:tr h="0">
+              <a:tr h="196947">
                 <a:tc>
                   <a:txBody>
                     <a:bodyPr/>
                     <a:lstStyle/>
                     <a:p>
                       <a:pPr algn="ctr"/>
-                      <a:endParaRPr lang="en-US" sz="1000">
-                        <a:latin typeface="Times New Roman" panose="02020603050405020304" pitchFamily="18" charset="0"/>
-                        <a:cs typeface="Times New Roman" panose="02020603050405020304" pitchFamily="18" charset="0"/>
+                      <a:endParaRPr lang="en-US" sz="1000" kern="1200" dirty="0">
+                        <a:solidFill>
+                          <a:schemeClr val="dk1"/>
+                        </a:solidFill>
+                        <a:latin typeface="+mn-lt"/>
+                        <a:ea typeface="+mn-ea"/>
+                        <a:cs typeface="+mn-cs"/>
                       </a:endParaRPr>
                     </a:p>
                   </a:txBody>
@@ -4581,9 +4518,13 @@
                     <a:lstStyle/>
                     <a:p>
                       <a:pPr algn="ctr"/>
-                      <a:endParaRPr lang="en-US" sz="1000">
-                        <a:latin typeface="Times New Roman" panose="02020603050405020304" pitchFamily="18" charset="0"/>
-                        <a:cs typeface="Times New Roman" panose="02020603050405020304" pitchFamily="18" charset="0"/>
+                      <a:endParaRPr lang="en-US" sz="1000" kern="1200" dirty="0">
+                        <a:solidFill>
+                          <a:schemeClr val="dk1"/>
+                        </a:solidFill>
+                        <a:latin typeface="+mn-lt"/>
+                        <a:ea typeface="+mn-ea"/>
+                        <a:cs typeface="+mn-cs"/>
                       </a:endParaRPr>
                     </a:p>
                   </a:txBody>
@@ -4609,16 +4550,20 @@
                   </a:ext>
                 </a:extLst>
               </a:tr>
-              <a:tr h="0">
+              <a:tr h="196947">
                 <a:tc>
                   <a:txBody>
                     <a:bodyPr/>
                     <a:lstStyle/>
                     <a:p>
                       <a:pPr algn="ctr"/>
-                      <a:endParaRPr lang="en-US" sz="1000">
-                        <a:latin typeface="Times New Roman" panose="02020603050405020304" pitchFamily="18" charset="0"/>
-                        <a:cs typeface="Times New Roman" panose="02020603050405020304" pitchFamily="18" charset="0"/>
+                      <a:endParaRPr lang="en-US" sz="1000" kern="1200">
+                        <a:solidFill>
+                          <a:schemeClr val="dk1"/>
+                        </a:solidFill>
+                        <a:latin typeface="+mn-lt"/>
+                        <a:ea typeface="+mn-ea"/>
+                        <a:cs typeface="+mn-cs"/>
                       </a:endParaRPr>
                     </a:p>
                   </a:txBody>
@@ -4630,9 +4575,13 @@
                     <a:lstStyle/>
                     <a:p>
                       <a:pPr algn="ctr"/>
-                      <a:endParaRPr lang="en-US" sz="1000" dirty="0">
-                        <a:latin typeface="Times New Roman" panose="02020603050405020304" pitchFamily="18" charset="0"/>
-                        <a:cs typeface="Times New Roman" panose="02020603050405020304" pitchFamily="18" charset="0"/>
+                      <a:endParaRPr lang="en-US" sz="1000" kern="1200" dirty="0">
+                        <a:solidFill>
+                          <a:schemeClr val="dk1"/>
+                        </a:solidFill>
+                        <a:latin typeface="+mn-lt"/>
+                        <a:ea typeface="+mn-ea"/>
+                        <a:cs typeface="+mn-cs"/>
                       </a:endParaRPr>
                     </a:p>
                   </a:txBody>

--- a/images/00_Overview.pptx
+++ b/images/00_Overview.pptx
@@ -199,7 +199,7 @@
           <a:p>
             <a:fld id="{E53DD059-ECC1-4529-8207-5F5A979D279F}" type="datetimeFigureOut">
               <a:rPr lang="en-US" smtClean="0"/>
-              <a:t>12/8/2025</a:t>
+              <a:t>12/9/2025</a:t>
             </a:fld>
             <a:endParaRPr lang="en-US"/>
           </a:p>
@@ -650,7 +650,7 @@
           <a:p>
             <a:fld id="{6F36F2E6-1806-4461-B043-FDAD0D9A52EB}" type="datetimeFigureOut">
               <a:rPr lang="en-US" smtClean="0"/>
-              <a:t>12/8/2025</a:t>
+              <a:t>12/9/2025</a:t>
             </a:fld>
             <a:endParaRPr lang="en-US"/>
           </a:p>
@@ -848,7 +848,7 @@
           <a:p>
             <a:fld id="{6F36F2E6-1806-4461-B043-FDAD0D9A52EB}" type="datetimeFigureOut">
               <a:rPr lang="en-US" smtClean="0"/>
-              <a:t>12/8/2025</a:t>
+              <a:t>12/9/2025</a:t>
             </a:fld>
             <a:endParaRPr lang="en-US"/>
           </a:p>
@@ -1056,7 +1056,7 @@
           <a:p>
             <a:fld id="{6F36F2E6-1806-4461-B043-FDAD0D9A52EB}" type="datetimeFigureOut">
               <a:rPr lang="en-US" smtClean="0"/>
-              <a:t>12/8/2025</a:t>
+              <a:t>12/9/2025</a:t>
             </a:fld>
             <a:endParaRPr lang="en-US"/>
           </a:p>
@@ -1295,7 +1295,7 @@
           <a:p>
             <a:fld id="{6F36F2E6-1806-4461-B043-FDAD0D9A52EB}" type="datetimeFigureOut">
               <a:rPr lang="en-US" smtClean="0"/>
-              <a:t>12/8/2025</a:t>
+              <a:t>12/9/2025</a:t>
             </a:fld>
             <a:endParaRPr lang="en-US"/>
           </a:p>
@@ -1570,7 +1570,7 @@
           <a:p>
             <a:fld id="{6F36F2E6-1806-4461-B043-FDAD0D9A52EB}" type="datetimeFigureOut">
               <a:rPr lang="en-US" smtClean="0"/>
-              <a:t>12/8/2025</a:t>
+              <a:t>12/9/2025</a:t>
             </a:fld>
             <a:endParaRPr lang="en-US"/>
           </a:p>
@@ -1835,7 +1835,7 @@
           <a:p>
             <a:fld id="{6F36F2E6-1806-4461-B043-FDAD0D9A52EB}" type="datetimeFigureOut">
               <a:rPr lang="en-US" smtClean="0"/>
-              <a:t>12/8/2025</a:t>
+              <a:t>12/9/2025</a:t>
             </a:fld>
             <a:endParaRPr lang="en-US"/>
           </a:p>
@@ -2247,7 +2247,7 @@
           <a:p>
             <a:fld id="{6F36F2E6-1806-4461-B043-FDAD0D9A52EB}" type="datetimeFigureOut">
               <a:rPr lang="en-US" smtClean="0"/>
-              <a:t>12/8/2025</a:t>
+              <a:t>12/9/2025</a:t>
             </a:fld>
             <a:endParaRPr lang="en-US"/>
           </a:p>
@@ -2388,7 +2388,7 @@
           <a:p>
             <a:fld id="{6F36F2E6-1806-4461-B043-FDAD0D9A52EB}" type="datetimeFigureOut">
               <a:rPr lang="en-US" smtClean="0"/>
-              <a:t>12/8/2025</a:t>
+              <a:t>12/9/2025</a:t>
             </a:fld>
             <a:endParaRPr lang="en-US"/>
           </a:p>
@@ -2501,7 +2501,7 @@
           <a:p>
             <a:fld id="{6F36F2E6-1806-4461-B043-FDAD0D9A52EB}" type="datetimeFigureOut">
               <a:rPr lang="en-US" smtClean="0"/>
-              <a:t>12/8/2025</a:t>
+              <a:t>12/9/2025</a:t>
             </a:fld>
             <a:endParaRPr lang="en-US"/>
           </a:p>
@@ -2812,7 +2812,7 @@
           <a:p>
             <a:fld id="{6F36F2E6-1806-4461-B043-FDAD0D9A52EB}" type="datetimeFigureOut">
               <a:rPr lang="en-US" smtClean="0"/>
-              <a:t>12/8/2025</a:t>
+              <a:t>12/9/2025</a:t>
             </a:fld>
             <a:endParaRPr lang="en-US"/>
           </a:p>
@@ -3100,7 +3100,7 @@
           <a:p>
             <a:fld id="{6F36F2E6-1806-4461-B043-FDAD0D9A52EB}" type="datetimeFigureOut">
               <a:rPr lang="en-US" smtClean="0"/>
-              <a:t>12/8/2025</a:t>
+              <a:t>12/9/2025</a:t>
             </a:fld>
             <a:endParaRPr lang="en-US"/>
           </a:p>
@@ -3341,7 +3341,7 @@
           <a:p>
             <a:fld id="{6F36F2E6-1806-4461-B043-FDAD0D9A52EB}" type="datetimeFigureOut">
               <a:rPr lang="en-US" smtClean="0"/>
-              <a:t>12/8/2025</a:t>
+              <a:t>12/9/2025</a:t>
             </a:fld>
             <a:endParaRPr lang="en-US"/>
           </a:p>
